--- a/paper/tex/fig/layer.pptx
+++ b/paper/tex/fig/layer.pptx
@@ -7,7 +7,7 @@
   <p:sldIdLst>
     <p:sldId id="256" r:id="rId2"/>
   </p:sldIdLst>
-  <p:sldSz cx="3600450" cy="2376488"/>
+  <p:sldSz cx="2519363" cy="2376488"/>
   <p:notesSz cx="6858000" cy="9144000"/>
   <p:custDataLst>
     <p:tags r:id="rId3"/>
@@ -115,7 +115,7 @@
             <a:srgbClr val="A4A3A4"/>
           </p15:clr>
         </p15:guide>
-        <p15:guide id="2" pos="1135" userDrawn="1">
+        <p15:guide id="2" pos="794" userDrawn="1">
           <p15:clr>
             <a:srgbClr val="A4A3A4"/>
           </p15:clr>
@@ -155,8 +155,8 @@
         </p:nvSpPr>
         <p:spPr>
           <a:xfrm>
-            <a:off x="270036" y="738252"/>
-            <a:ext cx="3060383" cy="509404"/>
+            <a:off x="188956" y="738252"/>
+            <a:ext cx="2141459" cy="509404"/>
           </a:xfrm>
         </p:spPr>
         <p:txBody>
@@ -183,8 +183,8 @@
         </p:nvSpPr>
         <p:spPr>
           <a:xfrm>
-            <a:off x="540068" y="1346676"/>
-            <a:ext cx="2520316" cy="607325"/>
+            <a:off x="377907" y="1346676"/>
+            <a:ext cx="1763555" cy="607326"/>
           </a:xfrm>
         </p:spPr>
         <p:txBody>
@@ -200,7 +200,7 @@
                 </a:solidFill>
               </a:defRPr>
             </a:lvl1pPr>
-            <a:lvl2pPr marL="457189" indent="0" algn="ctr">
+            <a:lvl2pPr marL="319900" indent="0" algn="ctr">
               <a:buNone/>
               <a:defRPr>
                 <a:solidFill>
@@ -210,7 +210,7 @@
                 </a:solidFill>
               </a:defRPr>
             </a:lvl2pPr>
-            <a:lvl3pPr marL="914379" indent="0" algn="ctr">
+            <a:lvl3pPr marL="639801" indent="0" algn="ctr">
               <a:buNone/>
               <a:defRPr>
                 <a:solidFill>
@@ -220,7 +220,7 @@
                 </a:solidFill>
               </a:defRPr>
             </a:lvl3pPr>
-            <a:lvl4pPr marL="1371567" indent="0" algn="ctr">
+            <a:lvl4pPr marL="959701" indent="0" algn="ctr">
               <a:buNone/>
               <a:defRPr>
                 <a:solidFill>
@@ -230,7 +230,7 @@
                 </a:solidFill>
               </a:defRPr>
             </a:lvl4pPr>
-            <a:lvl5pPr marL="1828759" indent="0" algn="ctr">
+            <a:lvl5pPr marL="1279604" indent="0" algn="ctr">
               <a:buNone/>
               <a:defRPr>
                 <a:solidFill>
@@ -240,7 +240,7 @@
                 </a:solidFill>
               </a:defRPr>
             </a:lvl5pPr>
-            <a:lvl6pPr marL="2285948" indent="0" algn="ctr">
+            <a:lvl6pPr marL="1599504" indent="0" algn="ctr">
               <a:buNone/>
               <a:defRPr>
                 <a:solidFill>
@@ -250,7 +250,7 @@
                 </a:solidFill>
               </a:defRPr>
             </a:lvl6pPr>
-            <a:lvl7pPr marL="2743138" indent="0" algn="ctr">
+            <a:lvl7pPr marL="1919405" indent="0" algn="ctr">
               <a:buNone/>
               <a:defRPr>
                 <a:solidFill>
@@ -260,7 +260,7 @@
                 </a:solidFill>
               </a:defRPr>
             </a:lvl7pPr>
-            <a:lvl8pPr marL="3200326" indent="0" algn="ctr">
+            <a:lvl8pPr marL="2239305" indent="0" algn="ctr">
               <a:buNone/>
               <a:defRPr>
                 <a:solidFill>
@@ -270,7 +270,7 @@
                 </a:solidFill>
               </a:defRPr>
             </a:lvl8pPr>
-            <a:lvl9pPr marL="3657515" indent="0" algn="ctr">
+            <a:lvl9pPr marL="2559204" indent="0" algn="ctr">
               <a:buNone/>
               <a:defRPr>
                 <a:solidFill>
@@ -561,8 +561,8 @@
         </p:nvSpPr>
         <p:spPr>
           <a:xfrm>
-            <a:off x="2610326" y="95177"/>
-            <a:ext cx="810102" cy="2027717"/>
+            <a:off x="1826540" y="95179"/>
+            <a:ext cx="566857" cy="2027717"/>
           </a:xfrm>
         </p:spPr>
         <p:txBody>
@@ -589,8 +589,8 @@
         </p:nvSpPr>
         <p:spPr>
           <a:xfrm>
-            <a:off x="180031" y="95177"/>
-            <a:ext cx="2370297" cy="2027717"/>
+            <a:off x="125977" y="95179"/>
+            <a:ext cx="1658581" cy="2027717"/>
           </a:xfrm>
         </p:spPr>
         <p:txBody>
@@ -905,15 +905,15 @@
         </p:nvSpPr>
         <p:spPr>
           <a:xfrm>
-            <a:off x="284413" y="1527121"/>
-            <a:ext cx="3060383" cy="471997"/>
+            <a:off x="199016" y="1527123"/>
+            <a:ext cx="2141459" cy="471996"/>
           </a:xfrm>
         </p:spPr>
         <p:txBody>
           <a:bodyPr anchor="t"/>
           <a:lstStyle>
             <a:lvl1pPr algn="l">
-              <a:defRPr sz="4000" b="1" cap="all"/>
+              <a:defRPr sz="2800" b="1" cap="all"/>
             </a:lvl1pPr>
           </a:lstStyle>
           <a:p>
@@ -937,8 +937,8 @@
         </p:nvSpPr>
         <p:spPr>
           <a:xfrm>
-            <a:off x="284413" y="1007258"/>
-            <a:ext cx="3060383" cy="519857"/>
+            <a:off x="199016" y="1007260"/>
+            <a:ext cx="2141459" cy="519857"/>
           </a:xfrm>
         </p:spPr>
         <p:txBody>
@@ -946,7 +946,7 @@
           <a:lstStyle>
             <a:lvl1pPr marL="0" indent="0">
               <a:buNone/>
-              <a:defRPr sz="1999">
+              <a:defRPr sz="1399">
                 <a:solidFill>
                   <a:schemeClr val="tx1">
                     <a:tint val="75000"/>
@@ -954,9 +954,9 @@
                 </a:solidFill>
               </a:defRPr>
             </a:lvl1pPr>
-            <a:lvl2pPr marL="457189" indent="0">
-              <a:buNone/>
-              <a:defRPr sz="1800">
+            <a:lvl2pPr marL="319900" indent="0">
+              <a:buNone/>
+              <a:defRPr sz="1259">
                 <a:solidFill>
                   <a:schemeClr val="tx1">
                     <a:tint val="75000"/>
@@ -964,9 +964,9 @@
                 </a:solidFill>
               </a:defRPr>
             </a:lvl2pPr>
-            <a:lvl3pPr marL="914379" indent="0">
-              <a:buNone/>
-              <a:defRPr sz="1600">
+            <a:lvl3pPr marL="639801" indent="0">
+              <a:buNone/>
+              <a:defRPr sz="1120">
                 <a:solidFill>
                   <a:schemeClr val="tx1">
                     <a:tint val="75000"/>
@@ -974,9 +974,9 @@
                 </a:solidFill>
               </a:defRPr>
             </a:lvl3pPr>
-            <a:lvl4pPr marL="1371567" indent="0">
-              <a:buNone/>
-              <a:defRPr sz="1400">
+            <a:lvl4pPr marL="959701" indent="0">
+              <a:buNone/>
+              <a:defRPr sz="980">
                 <a:solidFill>
                   <a:schemeClr val="tx1">
                     <a:tint val="75000"/>
@@ -984,9 +984,9 @@
                 </a:solidFill>
               </a:defRPr>
             </a:lvl4pPr>
-            <a:lvl5pPr marL="1828759" indent="0">
-              <a:buNone/>
-              <a:defRPr sz="1400">
+            <a:lvl5pPr marL="1279604" indent="0">
+              <a:buNone/>
+              <a:defRPr sz="980">
                 <a:solidFill>
                   <a:schemeClr val="tx1">
                     <a:tint val="75000"/>
@@ -994,9 +994,9 @@
                 </a:solidFill>
               </a:defRPr>
             </a:lvl5pPr>
-            <a:lvl6pPr marL="2285948" indent="0">
-              <a:buNone/>
-              <a:defRPr sz="1400">
+            <a:lvl6pPr marL="1599504" indent="0">
+              <a:buNone/>
+              <a:defRPr sz="980">
                 <a:solidFill>
                   <a:schemeClr val="tx1">
                     <a:tint val="75000"/>
@@ -1004,9 +1004,9 @@
                 </a:solidFill>
               </a:defRPr>
             </a:lvl6pPr>
-            <a:lvl7pPr marL="2743138" indent="0">
-              <a:buNone/>
-              <a:defRPr sz="1400">
+            <a:lvl7pPr marL="1919405" indent="0">
+              <a:buNone/>
+              <a:defRPr sz="980">
                 <a:solidFill>
                   <a:schemeClr val="tx1">
                     <a:tint val="75000"/>
@@ -1014,9 +1014,9 @@
                 </a:solidFill>
               </a:defRPr>
             </a:lvl7pPr>
-            <a:lvl8pPr marL="3200326" indent="0">
-              <a:buNone/>
-              <a:defRPr sz="1400">
+            <a:lvl8pPr marL="2239305" indent="0">
+              <a:buNone/>
+              <a:defRPr sz="980">
                 <a:solidFill>
                   <a:schemeClr val="tx1">
                     <a:tint val="75000"/>
@@ -1024,9 +1024,9 @@
                 </a:solidFill>
               </a:defRPr>
             </a:lvl8pPr>
-            <a:lvl9pPr marL="3657515" indent="0">
-              <a:buNone/>
-              <a:defRPr sz="1400">
+            <a:lvl9pPr marL="2559204" indent="0">
+              <a:buNone/>
+              <a:defRPr sz="980">
                 <a:solidFill>
                   <a:schemeClr val="tx1">
                     <a:tint val="75000"/>
@@ -1171,39 +1171,39 @@
         </p:nvSpPr>
         <p:spPr>
           <a:xfrm>
-            <a:off x="180024" y="554520"/>
-            <a:ext cx="1590200" cy="1568372"/>
+            <a:off x="125969" y="554521"/>
+            <a:ext cx="1112720" cy="1568372"/>
           </a:xfrm>
         </p:spPr>
         <p:txBody>
           <a:bodyPr/>
           <a:lstStyle>
             <a:lvl1pPr>
-              <a:defRPr sz="2800"/>
+              <a:defRPr sz="1959"/>
             </a:lvl1pPr>
             <a:lvl2pPr>
-              <a:defRPr sz="2399"/>
+              <a:defRPr sz="1680"/>
             </a:lvl2pPr>
             <a:lvl3pPr>
-              <a:defRPr sz="1999"/>
+              <a:defRPr sz="1399"/>
             </a:lvl3pPr>
             <a:lvl4pPr>
-              <a:defRPr sz="1800"/>
+              <a:defRPr sz="1259"/>
             </a:lvl4pPr>
             <a:lvl5pPr>
-              <a:defRPr sz="1800"/>
+              <a:defRPr sz="1259"/>
             </a:lvl5pPr>
             <a:lvl6pPr>
-              <a:defRPr sz="1800"/>
+              <a:defRPr sz="1259"/>
             </a:lvl6pPr>
             <a:lvl7pPr>
-              <a:defRPr sz="1800"/>
+              <a:defRPr sz="1259"/>
             </a:lvl7pPr>
             <a:lvl8pPr>
-              <a:defRPr sz="1800"/>
+              <a:defRPr sz="1259"/>
             </a:lvl8pPr>
             <a:lvl9pPr>
-              <a:defRPr sz="1800"/>
+              <a:defRPr sz="1259"/>
             </a:lvl9pPr>
           </a:lstStyle>
           <a:p>
@@ -1256,39 +1256,39 @@
         </p:nvSpPr>
         <p:spPr>
           <a:xfrm>
-            <a:off x="1830228" y="554520"/>
-            <a:ext cx="1590200" cy="1568372"/>
+            <a:off x="1280675" y="554521"/>
+            <a:ext cx="1112720" cy="1568372"/>
           </a:xfrm>
         </p:spPr>
         <p:txBody>
           <a:bodyPr/>
           <a:lstStyle>
             <a:lvl1pPr>
-              <a:defRPr sz="2800"/>
+              <a:defRPr sz="1959"/>
             </a:lvl1pPr>
             <a:lvl2pPr>
-              <a:defRPr sz="2399"/>
+              <a:defRPr sz="1680"/>
             </a:lvl2pPr>
             <a:lvl3pPr>
-              <a:defRPr sz="1999"/>
+              <a:defRPr sz="1399"/>
             </a:lvl3pPr>
             <a:lvl4pPr>
-              <a:defRPr sz="1800"/>
+              <a:defRPr sz="1259"/>
             </a:lvl4pPr>
             <a:lvl5pPr>
-              <a:defRPr sz="1800"/>
+              <a:defRPr sz="1259"/>
             </a:lvl5pPr>
             <a:lvl6pPr>
-              <a:defRPr sz="1800"/>
+              <a:defRPr sz="1259"/>
             </a:lvl6pPr>
             <a:lvl7pPr>
-              <a:defRPr sz="1800"/>
+              <a:defRPr sz="1259"/>
             </a:lvl7pPr>
             <a:lvl8pPr>
-              <a:defRPr sz="1800"/>
+              <a:defRPr sz="1259"/>
             </a:lvl8pPr>
             <a:lvl9pPr>
-              <a:defRPr sz="1800"/>
+              <a:defRPr sz="1259"/>
             </a:lvl9pPr>
           </a:lstStyle>
           <a:p>
@@ -1460,8 +1460,8 @@
         </p:nvSpPr>
         <p:spPr>
           <a:xfrm>
-            <a:off x="180028" y="531965"/>
-            <a:ext cx="1590824" cy="221696"/>
+            <a:off x="125972" y="531965"/>
+            <a:ext cx="1113156" cy="221696"/>
           </a:xfrm>
         </p:spPr>
         <p:txBody>
@@ -1469,39 +1469,39 @@
           <a:lstStyle>
             <a:lvl1pPr marL="0" indent="0">
               <a:buNone/>
-              <a:defRPr sz="2399" b="1"/>
+              <a:defRPr sz="1680" b="1"/>
             </a:lvl1pPr>
-            <a:lvl2pPr marL="457189" indent="0">
-              <a:buNone/>
-              <a:defRPr sz="1999" b="1"/>
+            <a:lvl2pPr marL="319900" indent="0">
+              <a:buNone/>
+              <a:defRPr sz="1399" b="1"/>
             </a:lvl2pPr>
-            <a:lvl3pPr marL="914379" indent="0">
-              <a:buNone/>
-              <a:defRPr sz="1800" b="1"/>
+            <a:lvl3pPr marL="639801" indent="0">
+              <a:buNone/>
+              <a:defRPr sz="1259" b="1"/>
             </a:lvl3pPr>
-            <a:lvl4pPr marL="1371567" indent="0">
-              <a:buNone/>
-              <a:defRPr sz="1600" b="1"/>
+            <a:lvl4pPr marL="959701" indent="0">
+              <a:buNone/>
+              <a:defRPr sz="1120" b="1"/>
             </a:lvl4pPr>
-            <a:lvl5pPr marL="1828759" indent="0">
-              <a:buNone/>
-              <a:defRPr sz="1600" b="1"/>
+            <a:lvl5pPr marL="1279604" indent="0">
+              <a:buNone/>
+              <a:defRPr sz="1120" b="1"/>
             </a:lvl5pPr>
-            <a:lvl6pPr marL="2285948" indent="0">
-              <a:buNone/>
-              <a:defRPr sz="1600" b="1"/>
+            <a:lvl6pPr marL="1599504" indent="0">
+              <a:buNone/>
+              <a:defRPr sz="1120" b="1"/>
             </a:lvl6pPr>
-            <a:lvl7pPr marL="2743138" indent="0">
-              <a:buNone/>
-              <a:defRPr sz="1600" b="1"/>
+            <a:lvl7pPr marL="1919405" indent="0">
+              <a:buNone/>
+              <a:defRPr sz="1120" b="1"/>
             </a:lvl7pPr>
-            <a:lvl8pPr marL="3200326" indent="0">
-              <a:buNone/>
-              <a:defRPr sz="1600" b="1"/>
+            <a:lvl8pPr marL="2239305" indent="0">
+              <a:buNone/>
+              <a:defRPr sz="1120" b="1"/>
             </a:lvl8pPr>
-            <a:lvl9pPr marL="3657515" indent="0">
-              <a:buNone/>
-              <a:defRPr sz="1600" b="1"/>
+            <a:lvl9pPr marL="2559204" indent="0">
+              <a:buNone/>
+              <a:defRPr sz="1120" b="1"/>
             </a:lvl9pPr>
           </a:lstStyle>
           <a:p>
@@ -1525,39 +1525,39 @@
         </p:nvSpPr>
         <p:spPr>
           <a:xfrm>
-            <a:off x="180028" y="753658"/>
-            <a:ext cx="1590824" cy="1369231"/>
+            <a:off x="125972" y="753659"/>
+            <a:ext cx="1113156" cy="1369231"/>
           </a:xfrm>
         </p:spPr>
         <p:txBody>
           <a:bodyPr/>
           <a:lstStyle>
             <a:lvl1pPr>
-              <a:defRPr sz="2399"/>
+              <a:defRPr sz="1680"/>
             </a:lvl1pPr>
             <a:lvl2pPr>
-              <a:defRPr sz="1999"/>
+              <a:defRPr sz="1399"/>
             </a:lvl2pPr>
             <a:lvl3pPr>
-              <a:defRPr sz="1800"/>
+              <a:defRPr sz="1259"/>
             </a:lvl3pPr>
             <a:lvl4pPr>
-              <a:defRPr sz="1600"/>
+              <a:defRPr sz="1120"/>
             </a:lvl4pPr>
             <a:lvl5pPr>
-              <a:defRPr sz="1600"/>
+              <a:defRPr sz="1120"/>
             </a:lvl5pPr>
             <a:lvl6pPr>
-              <a:defRPr sz="1600"/>
+              <a:defRPr sz="1120"/>
             </a:lvl6pPr>
             <a:lvl7pPr>
-              <a:defRPr sz="1600"/>
+              <a:defRPr sz="1120"/>
             </a:lvl7pPr>
             <a:lvl8pPr>
-              <a:defRPr sz="1600"/>
+              <a:defRPr sz="1120"/>
             </a:lvl8pPr>
             <a:lvl9pPr>
-              <a:defRPr sz="1600"/>
+              <a:defRPr sz="1120"/>
             </a:lvl9pPr>
           </a:lstStyle>
           <a:p>
@@ -1610,8 +1610,8 @@
         </p:nvSpPr>
         <p:spPr>
           <a:xfrm>
-            <a:off x="1828979" y="531965"/>
-            <a:ext cx="1591450" cy="221696"/>
+            <a:off x="1279802" y="531965"/>
+            <a:ext cx="1113594" cy="221696"/>
           </a:xfrm>
         </p:spPr>
         <p:txBody>
@@ -1619,39 +1619,39 @@
           <a:lstStyle>
             <a:lvl1pPr marL="0" indent="0">
               <a:buNone/>
-              <a:defRPr sz="2399" b="1"/>
+              <a:defRPr sz="1680" b="1"/>
             </a:lvl1pPr>
-            <a:lvl2pPr marL="457189" indent="0">
-              <a:buNone/>
-              <a:defRPr sz="1999" b="1"/>
+            <a:lvl2pPr marL="319900" indent="0">
+              <a:buNone/>
+              <a:defRPr sz="1399" b="1"/>
             </a:lvl2pPr>
-            <a:lvl3pPr marL="914379" indent="0">
-              <a:buNone/>
-              <a:defRPr sz="1800" b="1"/>
+            <a:lvl3pPr marL="639801" indent="0">
+              <a:buNone/>
+              <a:defRPr sz="1259" b="1"/>
             </a:lvl3pPr>
-            <a:lvl4pPr marL="1371567" indent="0">
-              <a:buNone/>
-              <a:defRPr sz="1600" b="1"/>
+            <a:lvl4pPr marL="959701" indent="0">
+              <a:buNone/>
+              <a:defRPr sz="1120" b="1"/>
             </a:lvl4pPr>
-            <a:lvl5pPr marL="1828759" indent="0">
-              <a:buNone/>
-              <a:defRPr sz="1600" b="1"/>
+            <a:lvl5pPr marL="1279604" indent="0">
+              <a:buNone/>
+              <a:defRPr sz="1120" b="1"/>
             </a:lvl5pPr>
-            <a:lvl6pPr marL="2285948" indent="0">
-              <a:buNone/>
-              <a:defRPr sz="1600" b="1"/>
+            <a:lvl6pPr marL="1599504" indent="0">
+              <a:buNone/>
+              <a:defRPr sz="1120" b="1"/>
             </a:lvl6pPr>
-            <a:lvl7pPr marL="2743138" indent="0">
-              <a:buNone/>
-              <a:defRPr sz="1600" b="1"/>
+            <a:lvl7pPr marL="1919405" indent="0">
+              <a:buNone/>
+              <a:defRPr sz="1120" b="1"/>
             </a:lvl7pPr>
-            <a:lvl8pPr marL="3200326" indent="0">
-              <a:buNone/>
-              <a:defRPr sz="1600" b="1"/>
+            <a:lvl8pPr marL="2239305" indent="0">
+              <a:buNone/>
+              <a:defRPr sz="1120" b="1"/>
             </a:lvl8pPr>
-            <a:lvl9pPr marL="3657515" indent="0">
-              <a:buNone/>
-              <a:defRPr sz="1600" b="1"/>
+            <a:lvl9pPr marL="2559204" indent="0">
+              <a:buNone/>
+              <a:defRPr sz="1120" b="1"/>
             </a:lvl9pPr>
           </a:lstStyle>
           <a:p>
@@ -1675,39 +1675,39 @@
         </p:nvSpPr>
         <p:spPr>
           <a:xfrm>
-            <a:off x="1828979" y="753658"/>
-            <a:ext cx="1591450" cy="1369231"/>
+            <a:off x="1279802" y="753659"/>
+            <a:ext cx="1113594" cy="1369231"/>
           </a:xfrm>
         </p:spPr>
         <p:txBody>
           <a:bodyPr/>
           <a:lstStyle>
             <a:lvl1pPr>
-              <a:defRPr sz="2399"/>
+              <a:defRPr sz="1680"/>
             </a:lvl1pPr>
             <a:lvl2pPr>
-              <a:defRPr sz="1999"/>
+              <a:defRPr sz="1399"/>
             </a:lvl2pPr>
             <a:lvl3pPr>
-              <a:defRPr sz="1800"/>
+              <a:defRPr sz="1259"/>
             </a:lvl3pPr>
             <a:lvl4pPr>
-              <a:defRPr sz="1600"/>
+              <a:defRPr sz="1120"/>
             </a:lvl4pPr>
             <a:lvl5pPr>
-              <a:defRPr sz="1600"/>
+              <a:defRPr sz="1120"/>
             </a:lvl5pPr>
             <a:lvl6pPr>
-              <a:defRPr sz="1600"/>
+              <a:defRPr sz="1120"/>
             </a:lvl6pPr>
             <a:lvl7pPr>
-              <a:defRPr sz="1600"/>
+              <a:defRPr sz="1120"/>
             </a:lvl7pPr>
             <a:lvl8pPr>
-              <a:defRPr sz="1600"/>
+              <a:defRPr sz="1120"/>
             </a:lvl8pPr>
             <a:lvl9pPr>
-              <a:defRPr sz="1600"/>
+              <a:defRPr sz="1120"/>
             </a:lvl9pPr>
           </a:lstStyle>
           <a:p>
@@ -2059,15 +2059,15 @@
         </p:nvSpPr>
         <p:spPr>
           <a:xfrm>
-            <a:off x="180026" y="94624"/>
-            <a:ext cx="1184524" cy="402682"/>
+            <a:off x="125970" y="94624"/>
+            <a:ext cx="828854" cy="402682"/>
           </a:xfrm>
         </p:spPr>
         <p:txBody>
           <a:bodyPr anchor="b"/>
           <a:lstStyle>
             <a:lvl1pPr algn="l">
-              <a:defRPr sz="1999" b="1"/>
+              <a:defRPr sz="1399" b="1"/>
             </a:lvl1pPr>
           </a:lstStyle>
           <a:p>
@@ -2091,39 +2091,39 @@
         </p:nvSpPr>
         <p:spPr>
           <a:xfrm>
-            <a:off x="1407682" y="94621"/>
-            <a:ext cx="2012752" cy="2028267"/>
+            <a:off x="985005" y="94623"/>
+            <a:ext cx="1408394" cy="2028268"/>
           </a:xfrm>
         </p:spPr>
         <p:txBody>
           <a:bodyPr/>
           <a:lstStyle>
             <a:lvl1pPr>
-              <a:defRPr sz="3200"/>
+              <a:defRPr sz="2240"/>
             </a:lvl1pPr>
             <a:lvl2pPr>
-              <a:defRPr sz="2800"/>
+              <a:defRPr sz="1959"/>
             </a:lvl2pPr>
             <a:lvl3pPr>
-              <a:defRPr sz="2399"/>
+              <a:defRPr sz="1680"/>
             </a:lvl3pPr>
             <a:lvl4pPr>
-              <a:defRPr sz="1999"/>
+              <a:defRPr sz="1399"/>
             </a:lvl4pPr>
             <a:lvl5pPr>
-              <a:defRPr sz="1999"/>
+              <a:defRPr sz="1399"/>
             </a:lvl5pPr>
             <a:lvl6pPr>
-              <a:defRPr sz="1999"/>
+              <a:defRPr sz="1399"/>
             </a:lvl6pPr>
             <a:lvl7pPr>
-              <a:defRPr sz="1999"/>
+              <a:defRPr sz="1399"/>
             </a:lvl7pPr>
             <a:lvl8pPr>
-              <a:defRPr sz="1999"/>
+              <a:defRPr sz="1399"/>
             </a:lvl8pPr>
             <a:lvl9pPr>
-              <a:defRPr sz="1999"/>
+              <a:defRPr sz="1399"/>
             </a:lvl9pPr>
           </a:lstStyle>
           <a:p>
@@ -2176,8 +2176,8 @@
         </p:nvSpPr>
         <p:spPr>
           <a:xfrm>
-            <a:off x="180026" y="497302"/>
-            <a:ext cx="1184524" cy="1625584"/>
+            <a:off x="125970" y="497302"/>
+            <a:ext cx="828854" cy="1625584"/>
           </a:xfrm>
         </p:spPr>
         <p:txBody>
@@ -2185,39 +2185,39 @@
           <a:lstStyle>
             <a:lvl1pPr marL="0" indent="0">
               <a:buNone/>
-              <a:defRPr sz="1400"/>
+              <a:defRPr sz="980"/>
             </a:lvl1pPr>
-            <a:lvl2pPr marL="457189" indent="0">
-              <a:buNone/>
-              <a:defRPr sz="1200"/>
+            <a:lvl2pPr marL="319900" indent="0">
+              <a:buNone/>
+              <a:defRPr sz="841"/>
             </a:lvl2pPr>
-            <a:lvl3pPr marL="914379" indent="0">
-              <a:buNone/>
-              <a:defRPr sz="1000"/>
+            <a:lvl3pPr marL="639801" indent="0">
+              <a:buNone/>
+              <a:defRPr sz="699"/>
             </a:lvl3pPr>
-            <a:lvl4pPr marL="1371567" indent="0">
-              <a:buNone/>
-              <a:defRPr sz="900"/>
+            <a:lvl4pPr marL="959701" indent="0">
+              <a:buNone/>
+              <a:defRPr sz="630"/>
             </a:lvl4pPr>
-            <a:lvl5pPr marL="1828759" indent="0">
-              <a:buNone/>
-              <a:defRPr sz="900"/>
+            <a:lvl5pPr marL="1279604" indent="0">
+              <a:buNone/>
+              <a:defRPr sz="630"/>
             </a:lvl5pPr>
-            <a:lvl6pPr marL="2285948" indent="0">
-              <a:buNone/>
-              <a:defRPr sz="900"/>
+            <a:lvl6pPr marL="1599504" indent="0">
+              <a:buNone/>
+              <a:defRPr sz="630"/>
             </a:lvl6pPr>
-            <a:lvl7pPr marL="2743138" indent="0">
-              <a:buNone/>
-              <a:defRPr sz="900"/>
+            <a:lvl7pPr marL="1919405" indent="0">
+              <a:buNone/>
+              <a:defRPr sz="630"/>
             </a:lvl7pPr>
-            <a:lvl8pPr marL="3200326" indent="0">
-              <a:buNone/>
-              <a:defRPr sz="900"/>
+            <a:lvl8pPr marL="2239305" indent="0">
+              <a:buNone/>
+              <a:defRPr sz="630"/>
             </a:lvl8pPr>
-            <a:lvl9pPr marL="3657515" indent="0">
-              <a:buNone/>
-              <a:defRPr sz="900"/>
+            <a:lvl9pPr marL="2559204" indent="0">
+              <a:buNone/>
+              <a:defRPr sz="630"/>
             </a:lvl9pPr>
           </a:lstStyle>
           <a:p>
@@ -2333,15 +2333,15 @@
         </p:nvSpPr>
         <p:spPr>
           <a:xfrm>
-            <a:off x="705720" y="1663547"/>
-            <a:ext cx="2160270" cy="196390"/>
+            <a:off x="493817" y="1663546"/>
+            <a:ext cx="1511618" cy="196390"/>
           </a:xfrm>
         </p:spPr>
         <p:txBody>
           <a:bodyPr anchor="b"/>
           <a:lstStyle>
             <a:lvl1pPr algn="l">
-              <a:defRPr sz="1999" b="1"/>
+              <a:defRPr sz="1399" b="1"/>
             </a:lvl1pPr>
           </a:lstStyle>
           <a:p>
@@ -2365,8 +2365,8 @@
         </p:nvSpPr>
         <p:spPr>
           <a:xfrm>
-            <a:off x="705720" y="212351"/>
-            <a:ext cx="2160270" cy="1425893"/>
+            <a:off x="493817" y="212354"/>
+            <a:ext cx="1511618" cy="1425893"/>
           </a:xfrm>
         </p:spPr>
         <p:txBody>
@@ -2374,39 +2374,39 @@
           <a:lstStyle>
             <a:lvl1pPr marL="0" indent="0">
               <a:buNone/>
-              <a:defRPr sz="3200"/>
+              <a:defRPr sz="2240"/>
             </a:lvl1pPr>
-            <a:lvl2pPr marL="457189" indent="0">
-              <a:buNone/>
-              <a:defRPr sz="2800"/>
+            <a:lvl2pPr marL="319900" indent="0">
+              <a:buNone/>
+              <a:defRPr sz="1959"/>
             </a:lvl2pPr>
-            <a:lvl3pPr marL="914379" indent="0">
-              <a:buNone/>
-              <a:defRPr sz="2399"/>
+            <a:lvl3pPr marL="639801" indent="0">
+              <a:buNone/>
+              <a:defRPr sz="1680"/>
             </a:lvl3pPr>
-            <a:lvl4pPr marL="1371567" indent="0">
-              <a:buNone/>
-              <a:defRPr sz="1999"/>
+            <a:lvl4pPr marL="959701" indent="0">
+              <a:buNone/>
+              <a:defRPr sz="1399"/>
             </a:lvl4pPr>
-            <a:lvl5pPr marL="1828759" indent="0">
-              <a:buNone/>
-              <a:defRPr sz="1999"/>
+            <a:lvl5pPr marL="1279604" indent="0">
+              <a:buNone/>
+              <a:defRPr sz="1399"/>
             </a:lvl5pPr>
-            <a:lvl6pPr marL="2285948" indent="0">
-              <a:buNone/>
-              <a:defRPr sz="1999"/>
+            <a:lvl6pPr marL="1599504" indent="0">
+              <a:buNone/>
+              <a:defRPr sz="1399"/>
             </a:lvl6pPr>
-            <a:lvl7pPr marL="2743138" indent="0">
-              <a:buNone/>
-              <a:defRPr sz="1999"/>
+            <a:lvl7pPr marL="1919405" indent="0">
+              <a:buNone/>
+              <a:defRPr sz="1399"/>
             </a:lvl7pPr>
-            <a:lvl8pPr marL="3200326" indent="0">
-              <a:buNone/>
-              <a:defRPr sz="1999"/>
+            <a:lvl8pPr marL="2239305" indent="0">
+              <a:buNone/>
+              <a:defRPr sz="1399"/>
             </a:lvl8pPr>
-            <a:lvl9pPr marL="3657515" indent="0">
-              <a:buNone/>
-              <a:defRPr sz="1999"/>
+            <a:lvl9pPr marL="2559204" indent="0">
+              <a:buNone/>
+              <a:defRPr sz="1399"/>
             </a:lvl9pPr>
           </a:lstStyle>
           <a:p>
@@ -2430,8 +2430,8 @@
         </p:nvSpPr>
         <p:spPr>
           <a:xfrm>
-            <a:off x="705720" y="1859933"/>
-            <a:ext cx="2160270" cy="278907"/>
+            <a:off x="493817" y="1859935"/>
+            <a:ext cx="1511618" cy="278908"/>
           </a:xfrm>
         </p:spPr>
         <p:txBody>
@@ -2439,39 +2439,39 @@
           <a:lstStyle>
             <a:lvl1pPr marL="0" indent="0">
               <a:buNone/>
-              <a:defRPr sz="1400"/>
+              <a:defRPr sz="980"/>
             </a:lvl1pPr>
-            <a:lvl2pPr marL="457189" indent="0">
-              <a:buNone/>
-              <a:defRPr sz="1200"/>
+            <a:lvl2pPr marL="319900" indent="0">
+              <a:buNone/>
+              <a:defRPr sz="841"/>
             </a:lvl2pPr>
-            <a:lvl3pPr marL="914379" indent="0">
-              <a:buNone/>
-              <a:defRPr sz="1000"/>
+            <a:lvl3pPr marL="639801" indent="0">
+              <a:buNone/>
+              <a:defRPr sz="699"/>
             </a:lvl3pPr>
-            <a:lvl4pPr marL="1371567" indent="0">
-              <a:buNone/>
-              <a:defRPr sz="900"/>
+            <a:lvl4pPr marL="959701" indent="0">
+              <a:buNone/>
+              <a:defRPr sz="630"/>
             </a:lvl4pPr>
-            <a:lvl5pPr marL="1828759" indent="0">
-              <a:buNone/>
-              <a:defRPr sz="900"/>
+            <a:lvl5pPr marL="1279604" indent="0">
+              <a:buNone/>
+              <a:defRPr sz="630"/>
             </a:lvl5pPr>
-            <a:lvl6pPr marL="2285948" indent="0">
-              <a:buNone/>
-              <a:defRPr sz="900"/>
+            <a:lvl6pPr marL="1599504" indent="0">
+              <a:buNone/>
+              <a:defRPr sz="630"/>
             </a:lvl6pPr>
-            <a:lvl7pPr marL="2743138" indent="0">
-              <a:buNone/>
-              <a:defRPr sz="900"/>
+            <a:lvl7pPr marL="1919405" indent="0">
+              <a:buNone/>
+              <a:defRPr sz="630"/>
             </a:lvl7pPr>
-            <a:lvl8pPr marL="3200326" indent="0">
-              <a:buNone/>
-              <a:defRPr sz="900"/>
+            <a:lvl8pPr marL="2239305" indent="0">
+              <a:buNone/>
+              <a:defRPr sz="630"/>
             </a:lvl8pPr>
-            <a:lvl9pPr marL="3657515" indent="0">
-              <a:buNone/>
-              <a:defRPr sz="900"/>
+            <a:lvl9pPr marL="2559204" indent="0">
+              <a:buNone/>
+              <a:defRPr sz="630"/>
             </a:lvl9pPr>
           </a:lstStyle>
           <a:p>
@@ -2592,20 +2592,20 @@
             </p:custDataLst>
             <p:extLst>
               <p:ext uri="{D42A27DB-BD31-4B8C-83A1-F6EECF244321}">
-                <p14:modId xmlns:p14="http://schemas.microsoft.com/office/powerpoint/2010/main" val="3269057973"/>
+                <p14:modId xmlns:p14="http://schemas.microsoft.com/office/powerpoint/2010/main" val="2603724690"/>
               </p:ext>
             </p:extLst>
           </p:nvPr>
         </p:nvGraphicFramePr>
         <p:xfrm>
-          <a:off x="626" y="555"/>
-          <a:ext cx="626" cy="550"/>
+          <a:off x="438" y="554"/>
+          <a:ext cx="438" cy="551"/>
         </p:xfrm>
         <a:graphic>
           <a:graphicData uri="http://schemas.openxmlformats.org/presentationml/2006/ole">
             <mc:AlternateContent xmlns:mc="http://schemas.openxmlformats.org/markup-compatibility/2006">
               <mc:Choice xmlns:v="urn:schemas-microsoft-com:vml" Requires="v">
-                <p:oleObj spid="_x0000_s1028" name="think-cell Folie" r:id="rId16" imgW="384" imgH="384" progId="TCLayout.ActiveDocument.1">
+                <p:oleObj spid="_x0000_s1030" name="think-cell Folie" r:id="rId16" imgW="384" imgH="384" progId="TCLayout.ActiveDocument.1">
                   <p:embed/>
                 </p:oleObj>
               </mc:Choice>
@@ -2626,8 +2626,8 @@
                     </p:blipFill>
                     <p:spPr>
                       <a:xfrm>
-                        <a:off x="626" y="555"/>
-                        <a:ext cx="626" cy="550"/>
+                        <a:off x="438" y="554"/>
+                        <a:ext cx="438" cy="551"/>
                       </a:xfrm>
                       <a:prstGeom prst="rect">
                         <a:avLst/>
@@ -2652,8 +2652,8 @@
         </p:nvSpPr>
         <p:spPr>
           <a:xfrm>
-            <a:off x="1" y="1"/>
-            <a:ext cx="62508" cy="55011"/>
+            <a:off x="3" y="2"/>
+            <a:ext cx="43739" cy="55012"/>
           </a:xfrm>
           <a:prstGeom prst="rect">
             <a:avLst/>
@@ -2685,7 +2685,7 @@
           <a:lstStyle/>
           <a:p>
             <a:pPr marL="0" lvl="0" indent="0" algn="ctr" eaLnBrk="1"/>
-            <a:endParaRPr lang="de-DE" sz="4400" b="0" i="0" baseline="0" dirty="0">
+            <a:endParaRPr lang="de-DE" sz="3079" b="0" i="0" baseline="0" dirty="0">
               <a:latin typeface="Arial" panose="020B0604020202020204" pitchFamily="34" charset="0"/>
               <a:ea typeface="+mj-ea"/>
               <a:cs typeface="Arial" panose="020B0604020202020204" pitchFamily="34" charset="0"/>
@@ -2706,8 +2706,8 @@
         </p:nvSpPr>
         <p:spPr>
           <a:xfrm>
-            <a:off x="180027" y="95170"/>
-            <a:ext cx="3240404" cy="396081"/>
+            <a:off x="125971" y="95172"/>
+            <a:ext cx="2267426" cy="396081"/>
           </a:xfrm>
           <a:prstGeom prst="rect">
             <a:avLst/>
@@ -2739,8 +2739,8 @@
         </p:nvSpPr>
         <p:spPr>
           <a:xfrm>
-            <a:off x="180027" y="554520"/>
-            <a:ext cx="3240404" cy="1568372"/>
+            <a:off x="125971" y="554521"/>
+            <a:ext cx="2267426" cy="1568372"/>
           </a:xfrm>
           <a:prstGeom prst="rect">
             <a:avLst/>
@@ -2801,8 +2801,8 @@
         </p:nvSpPr>
         <p:spPr>
           <a:xfrm>
-            <a:off x="180027" y="2202659"/>
-            <a:ext cx="840105" cy="126526"/>
+            <a:off x="125974" y="2202660"/>
+            <a:ext cx="587851" cy="126527"/>
           </a:xfrm>
           <a:prstGeom prst="rect">
             <a:avLst/>
@@ -2812,7 +2812,7 @@
           <a:bodyPr vert="horz" lIns="91440" tIns="45720" rIns="91440" bIns="45720" rtlCol="0" anchor="ctr"/>
           <a:lstStyle>
             <a:lvl1pPr algn="l">
-              <a:defRPr sz="1200">
+              <a:defRPr sz="841">
                 <a:solidFill>
                   <a:schemeClr val="tx1">
                     <a:tint val="75000"/>
@@ -2843,8 +2843,8 @@
         </p:nvSpPr>
         <p:spPr>
           <a:xfrm>
-            <a:off x="1230156" y="2202659"/>
-            <a:ext cx="1140143" cy="126526"/>
+            <a:off x="860786" y="2202660"/>
+            <a:ext cx="797799" cy="126527"/>
           </a:xfrm>
           <a:prstGeom prst="rect">
             <a:avLst/>
@@ -2854,7 +2854,7 @@
           <a:bodyPr vert="horz" lIns="91440" tIns="45720" rIns="91440" bIns="45720" rtlCol="0" anchor="ctr"/>
           <a:lstStyle>
             <a:lvl1pPr algn="ctr">
-              <a:defRPr sz="1200">
+              <a:defRPr sz="841">
                 <a:solidFill>
                   <a:schemeClr val="tx1">
                     <a:tint val="75000"/>
@@ -2880,8 +2880,8 @@
         </p:nvSpPr>
         <p:spPr>
           <a:xfrm>
-            <a:off x="2580328" y="2202659"/>
-            <a:ext cx="840105" cy="126526"/>
+            <a:off x="1805550" y="2202660"/>
+            <a:ext cx="587851" cy="126527"/>
           </a:xfrm>
           <a:prstGeom prst="rect">
             <a:avLst/>
@@ -2891,7 +2891,7 @@
           <a:bodyPr vert="horz" lIns="91440" tIns="45720" rIns="91440" bIns="45720" rtlCol="0" anchor="ctr"/>
           <a:lstStyle>
             <a:lvl1pPr algn="r">
-              <a:defRPr sz="1200">
+              <a:defRPr sz="841">
                 <a:solidFill>
                   <a:schemeClr val="tx1">
                     <a:tint val="75000"/>
@@ -2928,12 +2928,12 @@
   </p:sldLayoutIdLst>
   <p:txStyles>
     <p:titleStyle>
-      <a:lvl1pPr algn="ctr" defTabSz="914379" rtl="0" eaLnBrk="1" latinLnBrk="0" hangingPunct="1">
+      <a:lvl1pPr algn="ctr" defTabSz="639801" rtl="0" eaLnBrk="1" latinLnBrk="0" hangingPunct="1">
         <a:spcBef>
           <a:spcPct val="0"/>
         </a:spcBef>
         <a:buNone/>
-        <a:defRPr sz="4400" kern="1200">
+        <a:defRPr sz="3079" kern="1200">
           <a:solidFill>
             <a:schemeClr val="tx1"/>
           </a:solidFill>
@@ -2944,13 +2944,13 @@
       </a:lvl1pPr>
     </p:titleStyle>
     <p:bodyStyle>
-      <a:lvl1pPr marL="342892" indent="-342892" algn="l" defTabSz="914379" rtl="0" eaLnBrk="1" latinLnBrk="0" hangingPunct="1">
+      <a:lvl1pPr marL="239927" indent="-239927" algn="l" defTabSz="639801" rtl="0" eaLnBrk="1" latinLnBrk="0" hangingPunct="1">
         <a:spcBef>
           <a:spcPct val="20000"/>
         </a:spcBef>
         <a:buFont typeface="Arial" pitchFamily="34" charset="0"/>
         <a:buChar char="•"/>
-        <a:defRPr sz="3200" kern="1200">
+        <a:defRPr sz="2240" kern="1200">
           <a:solidFill>
             <a:schemeClr val="tx1"/>
           </a:solidFill>
@@ -2959,13 +2959,13 @@
           <a:cs typeface="Arial" pitchFamily="34" charset="0"/>
         </a:defRPr>
       </a:lvl1pPr>
-      <a:lvl2pPr marL="742933" indent="-285744" algn="l" defTabSz="914379" rtl="0" eaLnBrk="1" latinLnBrk="0" hangingPunct="1">
+      <a:lvl2pPr marL="519839" indent="-199939" algn="l" defTabSz="639801" rtl="0" eaLnBrk="1" latinLnBrk="0" hangingPunct="1">
         <a:spcBef>
           <a:spcPct val="20000"/>
         </a:spcBef>
         <a:buFont typeface="Arial" pitchFamily="34" charset="0"/>
         <a:buChar char="–"/>
-        <a:defRPr sz="2800" kern="1200">
+        <a:defRPr sz="1959" kern="1200">
           <a:solidFill>
             <a:schemeClr val="tx1"/>
           </a:solidFill>
@@ -2974,13 +2974,13 @@
           <a:cs typeface="Arial" pitchFamily="34" charset="0"/>
         </a:defRPr>
       </a:lvl2pPr>
-      <a:lvl3pPr marL="1142975" indent="-228595" algn="l" defTabSz="914379" rtl="0" eaLnBrk="1" latinLnBrk="0" hangingPunct="1">
+      <a:lvl3pPr marL="799753" indent="-159950" algn="l" defTabSz="639801" rtl="0" eaLnBrk="1" latinLnBrk="0" hangingPunct="1">
         <a:spcBef>
           <a:spcPct val="20000"/>
         </a:spcBef>
         <a:buFont typeface="Arial" pitchFamily="34" charset="0"/>
         <a:buChar char="•"/>
-        <a:defRPr sz="2399" kern="1200">
+        <a:defRPr sz="1680" kern="1200">
           <a:solidFill>
             <a:schemeClr val="tx1"/>
           </a:solidFill>
@@ -2989,13 +2989,13 @@
           <a:cs typeface="Arial" pitchFamily="34" charset="0"/>
         </a:defRPr>
       </a:lvl3pPr>
-      <a:lvl4pPr marL="1600164" indent="-228595" algn="l" defTabSz="914379" rtl="0" eaLnBrk="1" latinLnBrk="0" hangingPunct="1">
+      <a:lvl4pPr marL="1119652" indent="-159950" algn="l" defTabSz="639801" rtl="0" eaLnBrk="1" latinLnBrk="0" hangingPunct="1">
         <a:spcBef>
           <a:spcPct val="20000"/>
         </a:spcBef>
         <a:buFont typeface="Arial" pitchFamily="34" charset="0"/>
         <a:buChar char="–"/>
-        <a:defRPr sz="1999" kern="1200">
+        <a:defRPr sz="1399" kern="1200">
           <a:solidFill>
             <a:schemeClr val="tx1"/>
           </a:solidFill>
@@ -3004,13 +3004,13 @@
           <a:cs typeface="Arial" pitchFamily="34" charset="0"/>
         </a:defRPr>
       </a:lvl4pPr>
-      <a:lvl5pPr marL="2057353" indent="-228595" algn="l" defTabSz="914379" rtl="0" eaLnBrk="1" latinLnBrk="0" hangingPunct="1">
+      <a:lvl5pPr marL="1439554" indent="-159950" algn="l" defTabSz="639801" rtl="0" eaLnBrk="1" latinLnBrk="0" hangingPunct="1">
         <a:spcBef>
           <a:spcPct val="20000"/>
         </a:spcBef>
         <a:buFont typeface="Arial" pitchFamily="34" charset="0"/>
         <a:buChar char="»"/>
-        <a:defRPr sz="1999" kern="1200">
+        <a:defRPr sz="1399" kern="1200">
           <a:solidFill>
             <a:schemeClr val="tx1"/>
           </a:solidFill>
@@ -3019,13 +3019,13 @@
           <a:cs typeface="Arial" pitchFamily="34" charset="0"/>
         </a:defRPr>
       </a:lvl5pPr>
-      <a:lvl6pPr marL="2514543" indent="-228595" algn="l" defTabSz="914379" rtl="0" eaLnBrk="1" latinLnBrk="0" hangingPunct="1">
+      <a:lvl6pPr marL="1759455" indent="-159950" algn="l" defTabSz="639801" rtl="0" eaLnBrk="1" latinLnBrk="0" hangingPunct="1">
         <a:spcBef>
           <a:spcPct val="20000"/>
         </a:spcBef>
         <a:buFont typeface="Arial" pitchFamily="34" charset="0"/>
         <a:buChar char="•"/>
-        <a:defRPr sz="1999" kern="1200">
+        <a:defRPr sz="1399" kern="1200">
           <a:solidFill>
             <a:schemeClr val="tx1"/>
           </a:solidFill>
@@ -3034,13 +3034,13 @@
           <a:cs typeface="+mn-cs"/>
         </a:defRPr>
       </a:lvl6pPr>
-      <a:lvl7pPr marL="2971732" indent="-228595" algn="l" defTabSz="914379" rtl="0" eaLnBrk="1" latinLnBrk="0" hangingPunct="1">
+      <a:lvl7pPr marL="2079355" indent="-159950" algn="l" defTabSz="639801" rtl="0" eaLnBrk="1" latinLnBrk="0" hangingPunct="1">
         <a:spcBef>
           <a:spcPct val="20000"/>
         </a:spcBef>
         <a:buFont typeface="Arial" pitchFamily="34" charset="0"/>
         <a:buChar char="•"/>
-        <a:defRPr sz="1999" kern="1200">
+        <a:defRPr sz="1399" kern="1200">
           <a:solidFill>
             <a:schemeClr val="tx1"/>
           </a:solidFill>
@@ -3049,13 +3049,13 @@
           <a:cs typeface="+mn-cs"/>
         </a:defRPr>
       </a:lvl7pPr>
-      <a:lvl8pPr marL="3428921" indent="-228595" algn="l" defTabSz="914379" rtl="0" eaLnBrk="1" latinLnBrk="0" hangingPunct="1">
+      <a:lvl8pPr marL="2399254" indent="-159950" algn="l" defTabSz="639801" rtl="0" eaLnBrk="1" latinLnBrk="0" hangingPunct="1">
         <a:spcBef>
           <a:spcPct val="20000"/>
         </a:spcBef>
         <a:buFont typeface="Arial" pitchFamily="34" charset="0"/>
         <a:buChar char="•"/>
-        <a:defRPr sz="1999" kern="1200">
+        <a:defRPr sz="1399" kern="1200">
           <a:solidFill>
             <a:schemeClr val="tx1"/>
           </a:solidFill>
@@ -3064,13 +3064,13 @@
           <a:cs typeface="+mn-cs"/>
         </a:defRPr>
       </a:lvl8pPr>
-      <a:lvl9pPr marL="3886111" indent="-228595" algn="l" defTabSz="914379" rtl="0" eaLnBrk="1" latinLnBrk="0" hangingPunct="1">
+      <a:lvl9pPr marL="2719156" indent="-159950" algn="l" defTabSz="639801" rtl="0" eaLnBrk="1" latinLnBrk="0" hangingPunct="1">
         <a:spcBef>
           <a:spcPct val="20000"/>
         </a:spcBef>
         <a:buFont typeface="Arial" pitchFamily="34" charset="0"/>
         <a:buChar char="•"/>
-        <a:defRPr sz="1999" kern="1200">
+        <a:defRPr sz="1399" kern="1200">
           <a:solidFill>
             <a:schemeClr val="tx1"/>
           </a:solidFill>
@@ -3084,8 +3084,8 @@
       <a:defPPr>
         <a:defRPr lang="de-DE"/>
       </a:defPPr>
-      <a:lvl1pPr marL="0" algn="l" defTabSz="914379" rtl="0" eaLnBrk="1" latinLnBrk="0" hangingPunct="1">
-        <a:defRPr sz="1800" kern="1200">
+      <a:lvl1pPr marL="0" algn="l" defTabSz="639801" rtl="0" eaLnBrk="1" latinLnBrk="0" hangingPunct="1">
+        <a:defRPr sz="1259" kern="1200">
           <a:solidFill>
             <a:schemeClr val="tx1"/>
           </a:solidFill>
@@ -3094,8 +3094,8 @@
           <a:cs typeface="+mn-cs"/>
         </a:defRPr>
       </a:lvl1pPr>
-      <a:lvl2pPr marL="457189" algn="l" defTabSz="914379" rtl="0" eaLnBrk="1" latinLnBrk="0" hangingPunct="1">
-        <a:defRPr sz="1800" kern="1200">
+      <a:lvl2pPr marL="319900" algn="l" defTabSz="639801" rtl="0" eaLnBrk="1" latinLnBrk="0" hangingPunct="1">
+        <a:defRPr sz="1259" kern="1200">
           <a:solidFill>
             <a:schemeClr val="tx1"/>
           </a:solidFill>
@@ -3104,8 +3104,8 @@
           <a:cs typeface="+mn-cs"/>
         </a:defRPr>
       </a:lvl2pPr>
-      <a:lvl3pPr marL="914379" algn="l" defTabSz="914379" rtl="0" eaLnBrk="1" latinLnBrk="0" hangingPunct="1">
-        <a:defRPr sz="1800" kern="1200">
+      <a:lvl3pPr marL="639801" algn="l" defTabSz="639801" rtl="0" eaLnBrk="1" latinLnBrk="0" hangingPunct="1">
+        <a:defRPr sz="1259" kern="1200">
           <a:solidFill>
             <a:schemeClr val="tx1"/>
           </a:solidFill>
@@ -3114,8 +3114,8 @@
           <a:cs typeface="+mn-cs"/>
         </a:defRPr>
       </a:lvl3pPr>
-      <a:lvl4pPr marL="1371567" algn="l" defTabSz="914379" rtl="0" eaLnBrk="1" latinLnBrk="0" hangingPunct="1">
-        <a:defRPr sz="1800" kern="1200">
+      <a:lvl4pPr marL="959701" algn="l" defTabSz="639801" rtl="0" eaLnBrk="1" latinLnBrk="0" hangingPunct="1">
+        <a:defRPr sz="1259" kern="1200">
           <a:solidFill>
             <a:schemeClr val="tx1"/>
           </a:solidFill>
@@ -3124,8 +3124,8 @@
           <a:cs typeface="+mn-cs"/>
         </a:defRPr>
       </a:lvl4pPr>
-      <a:lvl5pPr marL="1828759" algn="l" defTabSz="914379" rtl="0" eaLnBrk="1" latinLnBrk="0" hangingPunct="1">
-        <a:defRPr sz="1800" kern="1200">
+      <a:lvl5pPr marL="1279604" algn="l" defTabSz="639801" rtl="0" eaLnBrk="1" latinLnBrk="0" hangingPunct="1">
+        <a:defRPr sz="1259" kern="1200">
           <a:solidFill>
             <a:schemeClr val="tx1"/>
           </a:solidFill>
@@ -3134,8 +3134,8 @@
           <a:cs typeface="+mn-cs"/>
         </a:defRPr>
       </a:lvl5pPr>
-      <a:lvl6pPr marL="2285948" algn="l" defTabSz="914379" rtl="0" eaLnBrk="1" latinLnBrk="0" hangingPunct="1">
-        <a:defRPr sz="1800" kern="1200">
+      <a:lvl6pPr marL="1599504" algn="l" defTabSz="639801" rtl="0" eaLnBrk="1" latinLnBrk="0" hangingPunct="1">
+        <a:defRPr sz="1259" kern="1200">
           <a:solidFill>
             <a:schemeClr val="tx1"/>
           </a:solidFill>
@@ -3144,8 +3144,8 @@
           <a:cs typeface="+mn-cs"/>
         </a:defRPr>
       </a:lvl6pPr>
-      <a:lvl7pPr marL="2743138" algn="l" defTabSz="914379" rtl="0" eaLnBrk="1" latinLnBrk="0" hangingPunct="1">
-        <a:defRPr sz="1800" kern="1200">
+      <a:lvl7pPr marL="1919405" algn="l" defTabSz="639801" rtl="0" eaLnBrk="1" latinLnBrk="0" hangingPunct="1">
+        <a:defRPr sz="1259" kern="1200">
           <a:solidFill>
             <a:schemeClr val="tx1"/>
           </a:solidFill>
@@ -3154,8 +3154,8 @@
           <a:cs typeface="+mn-cs"/>
         </a:defRPr>
       </a:lvl7pPr>
-      <a:lvl8pPr marL="3200326" algn="l" defTabSz="914379" rtl="0" eaLnBrk="1" latinLnBrk="0" hangingPunct="1">
-        <a:defRPr sz="1800" kern="1200">
+      <a:lvl8pPr marL="2239305" algn="l" defTabSz="639801" rtl="0" eaLnBrk="1" latinLnBrk="0" hangingPunct="1">
+        <a:defRPr sz="1259" kern="1200">
           <a:solidFill>
             <a:schemeClr val="tx1"/>
           </a:solidFill>
@@ -3164,8 +3164,8 @@
           <a:cs typeface="+mn-cs"/>
         </a:defRPr>
       </a:lvl8pPr>
-      <a:lvl9pPr marL="3657515" algn="l" defTabSz="914379" rtl="0" eaLnBrk="1" latinLnBrk="0" hangingPunct="1">
-        <a:defRPr sz="1800" kern="1200">
+      <a:lvl9pPr marL="2559204" algn="l" defTabSz="639801" rtl="0" eaLnBrk="1" latinLnBrk="0" hangingPunct="1">
+        <a:defRPr sz="1259" kern="1200">
           <a:solidFill>
             <a:schemeClr val="tx1"/>
           </a:solidFill>
@@ -3208,20 +3208,20 @@
             </p:custDataLst>
             <p:extLst>
               <p:ext uri="{D42A27DB-BD31-4B8C-83A1-F6EECF244321}">
-                <p14:modId xmlns:p14="http://schemas.microsoft.com/office/powerpoint/2010/main" val="2544678829"/>
+                <p14:modId xmlns:p14="http://schemas.microsoft.com/office/powerpoint/2010/main" val="2817024988"/>
               </p:ext>
             </p:extLst>
           </p:nvPr>
         </p:nvGraphicFramePr>
         <p:xfrm>
-          <a:off x="-3490118" y="-1987550"/>
-          <a:ext cx="1588" cy="1588"/>
+          <a:off x="-2442159" y="-1390759"/>
+          <a:ext cx="1111" cy="1111"/>
         </p:xfrm>
         <a:graphic>
           <a:graphicData uri="http://schemas.openxmlformats.org/presentationml/2006/ole">
             <mc:AlternateContent xmlns:mc="http://schemas.openxmlformats.org/markup-compatibility/2006">
               <mc:Choice xmlns:v="urn:schemas-microsoft-com:vml" Requires="v">
-                <p:oleObj spid="_x0000_s2052" name="think-cell Folie" r:id="rId4" imgW="384" imgH="384" progId="TCLayout.ActiveDocument.1">
+                <p:oleObj spid="_x0000_s2054" name="think-cell Folie" r:id="rId4" imgW="384" imgH="384" progId="TCLayout.ActiveDocument.1">
                   <p:embed/>
                 </p:oleObj>
               </mc:Choice>
@@ -3242,8 +3242,8 @@
                     </p:blipFill>
                     <p:spPr>
                       <a:xfrm>
-                        <a:off x="-3490118" y="-1987550"/>
-                        <a:ext cx="1588" cy="1588"/>
+                        <a:off x="-2442159" y="-1390759"/>
+                        <a:ext cx="1111" cy="1111"/>
                       </a:xfrm>
                       <a:prstGeom prst="rect">
                         <a:avLst/>
@@ -3256,6 +3256,51 @@
           </a:graphicData>
         </a:graphic>
       </p:graphicFrame>
+      <p:sp>
+        <p:nvSpPr>
+          <p:cNvPr id="13" name="Rechteck 12"/>
+          <p:cNvSpPr/>
+          <p:nvPr/>
+        </p:nvSpPr>
+        <p:spPr>
+          <a:xfrm>
+            <a:off x="-3708871" y="469941"/>
+            <a:ext cx="3325512" cy="2368168"/>
+          </a:xfrm>
+          <a:prstGeom prst="rect">
+            <a:avLst/>
+          </a:prstGeom>
+        </p:spPr>
+        <p:style>
+          <a:lnRef idx="2">
+            <a:schemeClr val="accent1">
+              <a:shade val="50000"/>
+            </a:schemeClr>
+          </a:lnRef>
+          <a:fillRef idx="1">
+            <a:schemeClr val="accent1"/>
+          </a:fillRef>
+          <a:effectRef idx="0">
+            <a:schemeClr val="accent1"/>
+          </a:effectRef>
+          <a:fontRef idx="minor">
+            <a:schemeClr val="lt1"/>
+          </a:fontRef>
+        </p:style>
+        <p:txBody>
+          <a:bodyPr rot="0" spcFirstLastPara="0" vertOverflow="overflow" horzOverflow="overflow" vert="horz" wrap="square" lIns="63984" tIns="31991" rIns="63984" bIns="31991" numCol="1" spcCol="0" rtlCol="0" fromWordArt="0" anchor="ctr" anchorCtr="0" forceAA="0" compatLnSpc="1">
+            <a:prstTxWarp prst="textNoShape">
+              <a:avLst/>
+            </a:prstTxWarp>
+            <a:noAutofit/>
+          </a:bodyPr>
+          <a:lstStyle/>
+          <a:p>
+            <a:pPr algn="ctr"/>
+            <a:endParaRPr lang="de-DE" sz="398"/>
+          </a:p>
+        </p:txBody>
+      </p:sp>
       <p:pic>
         <p:nvPicPr>
           <p:cNvPr id="4" name="Inhaltsplatzhalter 1"/>
@@ -3277,8 +3322,8 @@
         </p:blipFill>
         <p:spPr>
           <a:xfrm>
-            <a:off x="29061" y="36116"/>
-            <a:ext cx="2068860" cy="2308728"/>
+            <a:off x="20334" y="382061"/>
+            <a:ext cx="1447656" cy="1615499"/>
           </a:xfrm>
           <a:prstGeom prst="rect">
             <a:avLst/>
@@ -3293,10 +3338,10 @@
         </p:nvGrpSpPr>
         <p:grpSpPr>
           <a:xfrm>
-            <a:off x="2066471" y="-70622"/>
-            <a:ext cx="1499128" cy="2410994"/>
+            <a:off x="1122118" y="202488"/>
+            <a:ext cx="1487908" cy="2074206"/>
             <a:chOff x="1487490" y="3356992"/>
-            <a:chExt cx="424480" cy="2849072"/>
+            <a:chExt cx="602090" cy="2943741"/>
           </a:xfrm>
         </p:grpSpPr>
         <p:sp>
@@ -3308,7 +3353,7 @@
           <p:spPr>
             <a:xfrm>
               <a:off x="1487490" y="3356992"/>
-              <a:ext cx="424480" cy="472810"/>
+              <a:ext cx="602090" cy="567477"/>
             </a:xfrm>
             <a:prstGeom prst="rect">
               <a:avLst/>
@@ -3322,54 +3367,54 @@
             <a:lstStyle/>
             <a:p>
               <a:r>
-                <a:rPr lang="de-DE" sz="1000" b="1" dirty="0">
+                <a:rPr lang="de-DE" sz="999" b="1" dirty="0">
                   <a:latin typeface="Times New Roman" panose="02020603050405020304" pitchFamily="18" charset="0"/>
                   <a:cs typeface="Times New Roman" panose="02020603050405020304" pitchFamily="18" charset="0"/>
                 </a:rPr>
                 <a:t>Layer 6</a:t>
               </a:r>
               <a:r>
-                <a:rPr lang="de-DE" sz="1000" dirty="0">
+                <a:rPr lang="de-DE" sz="999" dirty="0">
                   <a:latin typeface="Times New Roman" panose="02020603050405020304" pitchFamily="18" charset="0"/>
                   <a:cs typeface="Times New Roman" panose="02020603050405020304" pitchFamily="18" charset="0"/>
                 </a:rPr>
                 <a:t/>
               </a:r>
               <a:br>
-                <a:rPr lang="de-DE" sz="1000" dirty="0">
+                <a:rPr lang="de-DE" sz="999" dirty="0">
                   <a:latin typeface="Times New Roman" panose="02020603050405020304" pitchFamily="18" charset="0"/>
                   <a:cs typeface="Times New Roman" panose="02020603050405020304" pitchFamily="18" charset="0"/>
                 </a:rPr>
               </a:br>
               <a:r>
-                <a:rPr lang="de-DE" sz="1000" dirty="0">
+                <a:rPr lang="de-DE" sz="999" dirty="0">
                   <a:latin typeface="Times New Roman" panose="02020603050405020304" pitchFamily="18" charset="0"/>
                   <a:cs typeface="Times New Roman" panose="02020603050405020304" pitchFamily="18" charset="0"/>
                 </a:rPr>
                 <a:t>Data </a:t>
               </a:r>
               <a:r>
-                <a:rPr lang="de-DE" sz="1000" dirty="0" err="1">
+                <a:rPr lang="de-DE" sz="999" dirty="0" err="1">
                   <a:latin typeface="Times New Roman" panose="02020603050405020304" pitchFamily="18" charset="0"/>
                   <a:cs typeface="Times New Roman" panose="02020603050405020304" pitchFamily="18" charset="0"/>
                 </a:rPr>
                 <a:t>and</a:t>
               </a:r>
               <a:r>
-                <a:rPr lang="de-DE" sz="1000" dirty="0">
+                <a:rPr lang="de-DE" sz="999" dirty="0">
                   <a:latin typeface="Times New Roman" panose="02020603050405020304" pitchFamily="18" charset="0"/>
                   <a:cs typeface="Times New Roman" panose="02020603050405020304" pitchFamily="18" charset="0"/>
                 </a:rPr>
                 <a:t> </a:t>
               </a:r>
               <a:r>
-                <a:rPr lang="de-DE" sz="1000" dirty="0" err="1">
+                <a:rPr lang="de-DE" sz="999" dirty="0" err="1">
                   <a:latin typeface="Times New Roman" panose="02020603050405020304" pitchFamily="18" charset="0"/>
                   <a:cs typeface="Times New Roman" panose="02020603050405020304" pitchFamily="18" charset="0"/>
                 </a:rPr>
                 <a:t>communacation</a:t>
               </a:r>
-              <a:endParaRPr lang="de-DE" sz="1000" dirty="0">
+              <a:endParaRPr lang="de-DE" sz="999" dirty="0">
                 <a:latin typeface="Times New Roman" panose="02020603050405020304" pitchFamily="18" charset="0"/>
                 <a:cs typeface="Times New Roman" panose="02020603050405020304" pitchFamily="18" charset="0"/>
               </a:endParaRPr>
@@ -3384,8 +3429,8 @@
           </p:nvSpPr>
           <p:spPr>
             <a:xfrm>
-              <a:off x="1487490" y="3832243"/>
-              <a:ext cx="402240" cy="472810"/>
+              <a:off x="1487490" y="3832241"/>
+              <a:ext cx="573549" cy="567477"/>
             </a:xfrm>
             <a:prstGeom prst="rect">
               <a:avLst/>
@@ -3399,40 +3444,40 @@
             <a:lstStyle/>
             <a:p>
               <a:r>
-                <a:rPr lang="de-DE" sz="1000" b="1" dirty="0">
+                <a:rPr lang="de-DE" sz="999" b="1" dirty="0">
                   <a:latin typeface="Times New Roman" panose="02020603050405020304" pitchFamily="18" charset="0"/>
                   <a:cs typeface="Times New Roman" panose="02020603050405020304" pitchFamily="18" charset="0"/>
                 </a:rPr>
                 <a:t>Layer 5</a:t>
               </a:r>
               <a:r>
-                <a:rPr lang="de-DE" sz="1000" dirty="0">
+                <a:rPr lang="de-DE" sz="999" dirty="0">
                   <a:latin typeface="Times New Roman" panose="02020603050405020304" pitchFamily="18" charset="0"/>
                   <a:cs typeface="Times New Roman" panose="02020603050405020304" pitchFamily="18" charset="0"/>
                 </a:rPr>
                 <a:t/>
               </a:r>
               <a:br>
-                <a:rPr lang="de-DE" sz="1000" dirty="0">
+                <a:rPr lang="de-DE" sz="999" dirty="0">
                   <a:latin typeface="Times New Roman" panose="02020603050405020304" pitchFamily="18" charset="0"/>
                   <a:cs typeface="Times New Roman" panose="02020603050405020304" pitchFamily="18" charset="0"/>
                 </a:rPr>
               </a:br>
               <a:r>
-                <a:rPr lang="de-DE" sz="1000" dirty="0">
+                <a:rPr lang="de-DE" sz="999" dirty="0">
                   <a:latin typeface="Times New Roman" panose="02020603050405020304" pitchFamily="18" charset="0"/>
                   <a:cs typeface="Times New Roman" panose="02020603050405020304" pitchFamily="18" charset="0"/>
                 </a:rPr>
                 <a:t>Environment </a:t>
               </a:r>
               <a:r>
-                <a:rPr lang="de-DE" sz="1000" dirty="0" err="1">
+                <a:rPr lang="de-DE" sz="999" dirty="0" err="1">
                   <a:latin typeface="Times New Roman" panose="02020603050405020304" pitchFamily="18" charset="0"/>
                   <a:cs typeface="Times New Roman" panose="02020603050405020304" pitchFamily="18" charset="0"/>
                 </a:rPr>
                 <a:t>conditions</a:t>
               </a:r>
-              <a:endParaRPr lang="de-DE" sz="1000" dirty="0">
+              <a:endParaRPr lang="de-DE" sz="999" dirty="0">
                 <a:latin typeface="Times New Roman" panose="02020603050405020304" pitchFamily="18" charset="0"/>
                 <a:cs typeface="Times New Roman" panose="02020603050405020304" pitchFamily="18" charset="0"/>
               </a:endParaRPr>
@@ -3447,8 +3492,8 @@
           </p:nvSpPr>
           <p:spPr>
             <a:xfrm>
-              <a:off x="1487490" y="4307500"/>
-              <a:ext cx="293759" cy="472810"/>
+              <a:off x="1487490" y="4307502"/>
+              <a:ext cx="417220" cy="567477"/>
             </a:xfrm>
             <a:prstGeom prst="rect">
               <a:avLst/>
@@ -3462,47 +3507,47 @@
             <a:lstStyle/>
             <a:p>
               <a:r>
-                <a:rPr lang="de-DE" sz="1000" b="1" dirty="0">
+                <a:rPr lang="de-DE" sz="999" b="1" dirty="0">
                   <a:latin typeface="Times New Roman" panose="02020603050405020304" pitchFamily="18" charset="0"/>
                   <a:cs typeface="Times New Roman" panose="02020603050405020304" pitchFamily="18" charset="0"/>
                 </a:rPr>
                 <a:t>Layer 4</a:t>
               </a:r>
               <a:r>
-                <a:rPr lang="de-DE" sz="1000" dirty="0">
+                <a:rPr lang="de-DE" sz="999" dirty="0">
                   <a:latin typeface="Times New Roman" panose="02020603050405020304" pitchFamily="18" charset="0"/>
                   <a:cs typeface="Times New Roman" panose="02020603050405020304" pitchFamily="18" charset="0"/>
                 </a:rPr>
                 <a:t/>
               </a:r>
               <a:br>
-                <a:rPr lang="de-DE" sz="1000" dirty="0">
+                <a:rPr lang="de-DE" sz="999" dirty="0">
                   <a:latin typeface="Times New Roman" panose="02020603050405020304" pitchFamily="18" charset="0"/>
                   <a:cs typeface="Times New Roman" panose="02020603050405020304" pitchFamily="18" charset="0"/>
                 </a:rPr>
               </a:br>
               <a:r>
-                <a:rPr lang="de-DE" sz="1000" dirty="0" err="1">
+                <a:rPr lang="de-DE" sz="999" dirty="0" err="1">
                   <a:latin typeface="Times New Roman" panose="02020603050405020304" pitchFamily="18" charset="0"/>
                   <a:cs typeface="Times New Roman" panose="02020603050405020304" pitchFamily="18" charset="0"/>
                 </a:rPr>
                 <a:t>Movable</a:t>
               </a:r>
               <a:r>
-                <a:rPr lang="de-DE" sz="1000" dirty="0">
+                <a:rPr lang="de-DE" sz="999" dirty="0">
                   <a:latin typeface="Times New Roman" panose="02020603050405020304" pitchFamily="18" charset="0"/>
                   <a:cs typeface="Times New Roman" panose="02020603050405020304" pitchFamily="18" charset="0"/>
                 </a:rPr>
                 <a:t> </a:t>
               </a:r>
               <a:r>
-                <a:rPr lang="de-DE" sz="1000" dirty="0" err="1">
+                <a:rPr lang="de-DE" sz="999" dirty="0" err="1">
                   <a:latin typeface="Times New Roman" panose="02020603050405020304" pitchFamily="18" charset="0"/>
                   <a:cs typeface="Times New Roman" panose="02020603050405020304" pitchFamily="18" charset="0"/>
                 </a:rPr>
                 <a:t>objects</a:t>
               </a:r>
-              <a:endParaRPr lang="de-DE" sz="1000" dirty="0">
+              <a:endParaRPr lang="de-DE" sz="999" dirty="0">
                 <a:latin typeface="Times New Roman" panose="02020603050405020304" pitchFamily="18" charset="0"/>
                 <a:cs typeface="Times New Roman" panose="02020603050405020304" pitchFamily="18" charset="0"/>
               </a:endParaRPr>
@@ -3517,8 +3562,8 @@
           </p:nvSpPr>
           <p:spPr>
             <a:xfrm>
-              <a:off x="1487490" y="4782751"/>
-              <a:ext cx="402693" cy="472810"/>
+              <a:off x="1487490" y="4782752"/>
+              <a:ext cx="572900" cy="567477"/>
             </a:xfrm>
             <a:prstGeom prst="rect">
               <a:avLst/>
@@ -3532,40 +3577,40 @@
             <a:lstStyle/>
             <a:p>
               <a:r>
-                <a:rPr lang="de-DE" sz="1000" b="1" dirty="0">
+                <a:rPr lang="de-DE" sz="999" b="1" dirty="0">
                   <a:latin typeface="Times New Roman" panose="02020603050405020304" pitchFamily="18" charset="0"/>
                   <a:cs typeface="Times New Roman" panose="02020603050405020304" pitchFamily="18" charset="0"/>
                 </a:rPr>
                 <a:t>Layer 3</a:t>
               </a:r>
               <a:r>
-                <a:rPr lang="de-DE" sz="1000" dirty="0">
+                <a:rPr lang="de-DE" sz="999" dirty="0">
                   <a:latin typeface="Times New Roman" panose="02020603050405020304" pitchFamily="18" charset="0"/>
                   <a:cs typeface="Times New Roman" panose="02020603050405020304" pitchFamily="18" charset="0"/>
                 </a:rPr>
                 <a:t/>
               </a:r>
               <a:br>
-                <a:rPr lang="de-DE" sz="1000" dirty="0">
+                <a:rPr lang="de-DE" sz="999" dirty="0">
                   <a:latin typeface="Times New Roman" panose="02020603050405020304" pitchFamily="18" charset="0"/>
                   <a:cs typeface="Times New Roman" panose="02020603050405020304" pitchFamily="18" charset="0"/>
                 </a:rPr>
               </a:br>
               <a:r>
-                <a:rPr lang="de-DE" sz="1000" dirty="0">
+                <a:rPr lang="de-DE" sz="999" dirty="0">
                   <a:latin typeface="Times New Roman" panose="02020603050405020304" pitchFamily="18" charset="0"/>
                   <a:cs typeface="Times New Roman" panose="02020603050405020304" pitchFamily="18" charset="0"/>
                 </a:rPr>
                 <a:t>Temporal </a:t>
               </a:r>
               <a:r>
-                <a:rPr lang="de-DE" sz="1000" dirty="0" err="1">
+                <a:rPr lang="de-DE" sz="999" dirty="0" err="1">
                   <a:latin typeface="Times New Roman" panose="02020603050405020304" pitchFamily="18" charset="0"/>
                   <a:cs typeface="Times New Roman" panose="02020603050405020304" pitchFamily="18" charset="0"/>
                 </a:rPr>
                 <a:t>modifications</a:t>
               </a:r>
-              <a:endParaRPr lang="de-DE" sz="1000" dirty="0">
+              <a:endParaRPr lang="de-DE" sz="999" dirty="0">
                 <a:latin typeface="Times New Roman" panose="02020603050405020304" pitchFamily="18" charset="0"/>
                 <a:cs typeface="Times New Roman" panose="02020603050405020304" pitchFamily="18" charset="0"/>
               </a:endParaRPr>
@@ -3581,7 +3626,7 @@
           <p:spPr>
             <a:xfrm>
               <a:off x="1487490" y="5258004"/>
-              <a:ext cx="359574" cy="472810"/>
+              <a:ext cx="510628" cy="567477"/>
             </a:xfrm>
             <a:prstGeom prst="rect">
               <a:avLst/>
@@ -3595,40 +3640,40 @@
             <a:lstStyle/>
             <a:p>
               <a:r>
-                <a:rPr lang="de-DE" sz="1000" b="1" dirty="0">
+                <a:rPr lang="de-DE" sz="999" b="1" dirty="0">
                   <a:latin typeface="Times New Roman" panose="02020603050405020304" pitchFamily="18" charset="0"/>
                   <a:cs typeface="Times New Roman" panose="02020603050405020304" pitchFamily="18" charset="0"/>
                 </a:rPr>
                 <a:t>Layer 2</a:t>
               </a:r>
               <a:r>
-                <a:rPr lang="de-DE" sz="1000" dirty="0">
+                <a:rPr lang="de-DE" sz="999" dirty="0">
                   <a:latin typeface="Times New Roman" panose="02020603050405020304" pitchFamily="18" charset="0"/>
                   <a:cs typeface="Times New Roman" panose="02020603050405020304" pitchFamily="18" charset="0"/>
                 </a:rPr>
                 <a:t/>
               </a:r>
               <a:br>
-                <a:rPr lang="de-DE" sz="1000" dirty="0">
+                <a:rPr lang="de-DE" sz="999" dirty="0">
                   <a:latin typeface="Times New Roman" panose="02020603050405020304" pitchFamily="18" charset="0"/>
                   <a:cs typeface="Times New Roman" panose="02020603050405020304" pitchFamily="18" charset="0"/>
                 </a:rPr>
               </a:br>
               <a:r>
-                <a:rPr lang="de-DE" sz="1000" dirty="0">
+                <a:rPr lang="de-DE" sz="999" dirty="0">
                   <a:latin typeface="Times New Roman" panose="02020603050405020304" pitchFamily="18" charset="0"/>
                   <a:cs typeface="Times New Roman" panose="02020603050405020304" pitchFamily="18" charset="0"/>
                 </a:rPr>
                 <a:t>Traffic </a:t>
               </a:r>
               <a:r>
-                <a:rPr lang="de-DE" sz="1000" dirty="0" err="1">
+                <a:rPr lang="de-DE" sz="999" dirty="0" err="1">
                   <a:latin typeface="Times New Roman" panose="02020603050405020304" pitchFamily="18" charset="0"/>
                   <a:cs typeface="Times New Roman" panose="02020603050405020304" pitchFamily="18" charset="0"/>
                 </a:rPr>
                 <a:t>infrastructure</a:t>
               </a:r>
-              <a:endParaRPr lang="de-DE" sz="1000" dirty="0">
+              <a:endParaRPr lang="de-DE" sz="999" dirty="0">
                 <a:latin typeface="Times New Roman" panose="02020603050405020304" pitchFamily="18" charset="0"/>
                 <a:cs typeface="Times New Roman" panose="02020603050405020304" pitchFamily="18" charset="0"/>
               </a:endParaRPr>
@@ -3643,8 +3688,8 @@
           </p:nvSpPr>
           <p:spPr>
             <a:xfrm>
-              <a:off x="1487490" y="5733254"/>
-              <a:ext cx="219321" cy="472810"/>
+              <a:off x="1487490" y="5733256"/>
+              <a:ext cx="310840" cy="567477"/>
             </a:xfrm>
             <a:prstGeom prst="rect">
               <a:avLst/>
@@ -3658,40 +3703,40 @@
             <a:lstStyle/>
             <a:p>
               <a:r>
-                <a:rPr lang="de-DE" sz="1000" b="1" dirty="0">
+                <a:rPr lang="de-DE" sz="999" b="1" dirty="0">
                   <a:latin typeface="Times New Roman" panose="02020603050405020304" pitchFamily="18" charset="0"/>
                   <a:cs typeface="Times New Roman" panose="02020603050405020304" pitchFamily="18" charset="0"/>
                 </a:rPr>
                 <a:t>Layer 1</a:t>
               </a:r>
               <a:r>
-                <a:rPr lang="de-DE" sz="1000" dirty="0">
+                <a:rPr lang="de-DE" sz="999" dirty="0">
                   <a:latin typeface="Times New Roman" panose="02020603050405020304" pitchFamily="18" charset="0"/>
                   <a:cs typeface="Times New Roman" panose="02020603050405020304" pitchFamily="18" charset="0"/>
                 </a:rPr>
                 <a:t/>
               </a:r>
               <a:br>
-                <a:rPr lang="de-DE" sz="1000" dirty="0">
+                <a:rPr lang="de-DE" sz="999" dirty="0">
                   <a:latin typeface="Times New Roman" panose="02020603050405020304" pitchFamily="18" charset="0"/>
                   <a:cs typeface="Times New Roman" panose="02020603050405020304" pitchFamily="18" charset="0"/>
                 </a:rPr>
               </a:br>
               <a:r>
-                <a:rPr lang="de-DE" sz="1000" dirty="0">
+                <a:rPr lang="de-DE" sz="999" dirty="0">
                   <a:latin typeface="Times New Roman" panose="02020603050405020304" pitchFamily="18" charset="0"/>
                   <a:cs typeface="Times New Roman" panose="02020603050405020304" pitchFamily="18" charset="0"/>
                 </a:rPr>
                 <a:t>Street </a:t>
               </a:r>
               <a:r>
-                <a:rPr lang="de-DE" sz="1000" dirty="0" err="1">
+                <a:rPr lang="de-DE" sz="999" dirty="0" err="1">
                   <a:latin typeface="Times New Roman" panose="02020603050405020304" pitchFamily="18" charset="0"/>
                   <a:cs typeface="Times New Roman" panose="02020603050405020304" pitchFamily="18" charset="0"/>
                 </a:rPr>
                 <a:t>layer</a:t>
               </a:r>
-              <a:endParaRPr lang="de-DE" sz="1000" dirty="0">
+              <a:endParaRPr lang="de-DE" sz="999" dirty="0">
                 <a:latin typeface="Times New Roman" panose="02020603050405020304" pitchFamily="18" charset="0"/>
                 <a:cs typeface="Times New Roman" panose="02020603050405020304" pitchFamily="18" charset="0"/>
               </a:endParaRPr>
@@ -3704,6 +3749,13 @@
   <p:clrMapOvr>
     <a:masterClrMapping/>
   </p:clrMapOvr>
+  <p:timing>
+    <p:tnLst>
+      <p:par>
+        <p:cTn id="1" dur="indefinite" restart="never" nodeType="tmRoot"/>
+      </p:par>
+    </p:tnLst>
+  </p:timing>
 </p:sld>
 </file>
 
